--- a/xxxx_NAME/3007_Jack/20250924 EDA.pptx
+++ b/xxxx_NAME/3007_Jack/20250924 EDA.pptx
@@ -1678,7 +1678,7 @@
           </a:ln>
           <a:extLst>
             <a:ext uri="{C572A759-6A51-4108-AA02-DFA0A04FC94B}">
-              <ma14:wrappingTextBoxFlag xmlns:ma14="http://schemas.microsoft.com/office/mac/drawingml/2011/main" xmlns:a14="http://schemas.microsoft.com/office/drawing/2010/main" xmlns:m="http://schemas.openxmlformats.org/officeDocument/2006/math" xmlns="" val="1"/>
+              <ma14:wrappingTextBoxFlag xmlns="" xmlns:m="http://schemas.openxmlformats.org/officeDocument/2006/math" xmlns:a14="http://schemas.microsoft.com/office/drawing/2010/main" xmlns:ma14="http://schemas.microsoft.com/office/mac/drawingml/2011/main" val="1"/>
             </a:ext>
           </a:extLst>
         </p:spPr>
@@ -2485,7 +2485,7 @@
           </a:ln>
           <a:extLst>
             <a:ext uri="{C572A759-6A51-4108-AA02-DFA0A04FC94B}">
-              <ma14:wrappingTextBoxFlag xmlns="" xmlns:m="http://schemas.openxmlformats.org/officeDocument/2006/math" xmlns:a14="http://schemas.microsoft.com/office/drawing/2010/main" xmlns:ma14="http://schemas.microsoft.com/office/mac/drawingml/2011/main" val="1"/>
+              <ma14:wrappingTextBoxFlag xmlns:ma14="http://schemas.microsoft.com/office/mac/drawingml/2011/main" xmlns:a14="http://schemas.microsoft.com/office/drawing/2010/main" xmlns:m="http://schemas.openxmlformats.org/officeDocument/2006/math" xmlns="" val="1"/>
             </a:ext>
           </a:extLst>
         </p:spPr>
@@ -2527,7 +2527,7 @@
           </a:ln>
           <a:extLst>
             <a:ext uri="{C572A759-6A51-4108-AA02-DFA0A04FC94B}">
-              <ma14:wrappingTextBoxFlag xmlns="" xmlns:m="http://schemas.openxmlformats.org/officeDocument/2006/math" xmlns:a14="http://schemas.microsoft.com/office/drawing/2010/main" xmlns:ma14="http://schemas.microsoft.com/office/mac/drawingml/2011/main" val="1"/>
+              <ma14:wrappingTextBoxFlag xmlns:ma14="http://schemas.microsoft.com/office/mac/drawingml/2011/main" xmlns:a14="http://schemas.microsoft.com/office/drawing/2010/main" xmlns:m="http://schemas.openxmlformats.org/officeDocument/2006/math" xmlns="" val="1"/>
             </a:ext>
           </a:extLst>
         </p:spPr>
@@ -2584,7 +2584,7 @@
           </a:ln>
           <a:extLst>
             <a:ext uri="{C572A759-6A51-4108-AA02-DFA0A04FC94B}">
-              <ma14:wrappingTextBoxFlag xmlns="" xmlns:m="http://schemas.openxmlformats.org/officeDocument/2006/math" xmlns:a14="http://schemas.microsoft.com/office/drawing/2010/main" xmlns:ma14="http://schemas.microsoft.com/office/mac/drawingml/2011/main" val="1"/>
+              <ma14:wrappingTextBoxFlag xmlns:ma14="http://schemas.microsoft.com/office/mac/drawingml/2011/main" xmlns:a14="http://schemas.microsoft.com/office/drawing/2010/main" xmlns:m="http://schemas.openxmlformats.org/officeDocument/2006/math" xmlns="" val="1"/>
             </a:ext>
           </a:extLst>
         </p:spPr>
@@ -2659,7 +2659,7 @@
           </a:ln>
           <a:extLst>
             <a:ext uri="{C572A759-6A51-4108-AA02-DFA0A04FC94B}">
-              <ma14:wrappingTextBoxFlag xmlns="" xmlns:m="http://schemas.openxmlformats.org/officeDocument/2006/math" xmlns:a14="http://schemas.microsoft.com/office/drawing/2010/main" xmlns:ma14="http://schemas.microsoft.com/office/mac/drawingml/2011/main" val="1"/>
+              <ma14:wrappingTextBoxFlag xmlns:ma14="http://schemas.microsoft.com/office/mac/drawingml/2011/main" xmlns:a14="http://schemas.microsoft.com/office/drawing/2010/main" xmlns:m="http://schemas.openxmlformats.org/officeDocument/2006/math" xmlns="" val="1"/>
             </a:ext>
           </a:extLst>
         </p:spPr>
@@ -2698,7 +2698,7 @@
           </a:ln>
           <a:extLst>
             <a:ext uri="{C572A759-6A51-4108-AA02-DFA0A04FC94B}">
-              <ma14:wrappingTextBoxFlag xmlns="" xmlns:m="http://schemas.openxmlformats.org/officeDocument/2006/math" xmlns:a14="http://schemas.microsoft.com/office/drawing/2010/main" xmlns:ma14="http://schemas.microsoft.com/office/mac/drawingml/2011/main" val="1"/>
+              <ma14:wrappingTextBoxFlag xmlns:ma14="http://schemas.microsoft.com/office/mac/drawingml/2011/main" xmlns:a14="http://schemas.microsoft.com/office/drawing/2010/main" xmlns:m="http://schemas.openxmlformats.org/officeDocument/2006/math" xmlns="" val="1"/>
             </a:ext>
           </a:extLst>
         </p:spPr>
@@ -3611,7 +3611,7 @@
           </a:prstGeom>
           <a:extLst>
             <a:ext uri="{C572A759-6A51-4108-AA02-DFA0A04FC94B}">
-              <ma14:wrappingTextBoxFlag xmlns:ma14="http://schemas.microsoft.com/office/mac/drawingml/2011/main" xmlns:a14="http://schemas.microsoft.com/office/drawing/2010/main" xmlns:m="http://schemas.openxmlformats.org/officeDocument/2006/math" xmlns="" val="1"/>
+              <ma14:wrappingTextBoxFlag xmlns="" xmlns:m="http://schemas.openxmlformats.org/officeDocument/2006/math" xmlns:a14="http://schemas.microsoft.com/office/drawing/2010/main" xmlns:ma14="http://schemas.microsoft.com/office/mac/drawingml/2011/main" val="1"/>
             </a:ext>
           </a:extLst>
         </p:spPr>
@@ -3722,7 +3722,7 @@
               <a:rPr lang="en-US" altLang="zh-TW" smtClean="0"/>
               <a:t>2</a:t>
             </a:fld>
-            <a:endParaRPr lang="zh-TW" altLang="en-US"/>
+            <a:endParaRPr lang="zh-TW" altLang="en-US" dirty="0"/>
           </a:p>
         </p:txBody>
       </p:sp>
@@ -3768,7 +3768,7 @@
           </a:prstGeom>
           <a:extLst>
             <a:ext uri="{C572A759-6A51-4108-AA02-DFA0A04FC94B}">
-              <ma14:wrappingTextBoxFlag xmlns="" xmlns:m="http://schemas.openxmlformats.org/officeDocument/2006/math" xmlns:a14="http://schemas.microsoft.com/office/drawing/2010/main" xmlns:ma14="http://schemas.microsoft.com/office/mac/drawingml/2011/main" val="1"/>
+              <ma14:wrappingTextBoxFlag xmlns:ma14="http://schemas.microsoft.com/office/mac/drawingml/2011/main" xmlns:a14="http://schemas.microsoft.com/office/drawing/2010/main" xmlns:m="http://schemas.openxmlformats.org/officeDocument/2006/math" xmlns="" val="1"/>
             </a:ext>
           </a:extLst>
         </p:spPr>
@@ -3846,7 +3846,7 @@
           </a:ln>
           <a:extLst>
             <a:ext uri="{C572A759-6A51-4108-AA02-DFA0A04FC94B}">
-              <ma14:wrappingTextBoxFlag xmlns="" xmlns:m="http://schemas.openxmlformats.org/officeDocument/2006/math" xmlns:a14="http://schemas.microsoft.com/office/drawing/2010/main" xmlns:ma14="http://schemas.microsoft.com/office/mac/drawingml/2011/main" val="1"/>
+              <ma14:wrappingTextBoxFlag xmlns:ma14="http://schemas.microsoft.com/office/mac/drawingml/2011/main" xmlns:a14="http://schemas.microsoft.com/office/drawing/2010/main" xmlns:m="http://schemas.openxmlformats.org/officeDocument/2006/math" xmlns="" val="1"/>
             </a:ext>
           </a:extLst>
         </p:spPr>
@@ -4413,7 +4413,7 @@
           </a:prstGeom>
           <a:extLst>
             <a:ext uri="{C572A759-6A51-4108-AA02-DFA0A04FC94B}">
-              <ma14:wrappingTextBoxFlag xmlns="" xmlns:m="http://schemas.openxmlformats.org/officeDocument/2006/math" xmlns:a14="http://schemas.microsoft.com/office/drawing/2010/main" xmlns:ma14="http://schemas.microsoft.com/office/mac/drawingml/2011/main" val="1"/>
+              <ma14:wrappingTextBoxFlag xmlns:ma14="http://schemas.microsoft.com/office/mac/drawingml/2011/main" xmlns:a14="http://schemas.microsoft.com/office/drawing/2010/main" xmlns:m="http://schemas.openxmlformats.org/officeDocument/2006/math" xmlns="" val="1"/>
             </a:ext>
           </a:extLst>
         </p:spPr>
@@ -4538,7 +4538,7 @@
           </a:ln>
           <a:extLst>
             <a:ext uri="{C572A759-6A51-4108-AA02-DFA0A04FC94B}">
-              <ma14:wrappingTextBoxFlag xmlns="" xmlns:m="http://schemas.openxmlformats.org/officeDocument/2006/math" xmlns:a14="http://schemas.microsoft.com/office/drawing/2010/main" xmlns:ma14="http://schemas.microsoft.com/office/mac/drawingml/2011/main" val="1"/>
+              <ma14:wrappingTextBoxFlag xmlns:ma14="http://schemas.microsoft.com/office/mac/drawingml/2011/main" xmlns:a14="http://schemas.microsoft.com/office/drawing/2010/main" xmlns:m="http://schemas.openxmlformats.org/officeDocument/2006/math" xmlns="" val="1"/>
             </a:ext>
           </a:extLst>
         </p:spPr>
@@ -4923,7 +4923,7 @@
           </a:prstGeom>
           <a:extLst>
             <a:ext uri="{C572A759-6A51-4108-AA02-DFA0A04FC94B}">
-              <ma14:wrappingTextBoxFlag xmlns="" xmlns:m="http://schemas.openxmlformats.org/officeDocument/2006/math" xmlns:a14="http://schemas.microsoft.com/office/drawing/2010/main" xmlns:ma14="http://schemas.microsoft.com/office/mac/drawingml/2011/main" val="1"/>
+              <ma14:wrappingTextBoxFlag xmlns:ma14="http://schemas.microsoft.com/office/mac/drawingml/2011/main" xmlns:a14="http://schemas.microsoft.com/office/drawing/2010/main" xmlns:m="http://schemas.openxmlformats.org/officeDocument/2006/math" xmlns="" val="1"/>
             </a:ext>
           </a:extLst>
         </p:spPr>
@@ -5048,7 +5048,7 @@
           </a:ln>
           <a:extLst>
             <a:ext uri="{C572A759-6A51-4108-AA02-DFA0A04FC94B}">
-              <ma14:wrappingTextBoxFlag xmlns="" xmlns:m="http://schemas.openxmlformats.org/officeDocument/2006/math" xmlns:a14="http://schemas.microsoft.com/office/drawing/2010/main" xmlns:ma14="http://schemas.microsoft.com/office/mac/drawingml/2011/main" val="1"/>
+              <ma14:wrappingTextBoxFlag xmlns:ma14="http://schemas.microsoft.com/office/mac/drawingml/2011/main" xmlns:a14="http://schemas.microsoft.com/office/drawing/2010/main" xmlns:m="http://schemas.openxmlformats.org/officeDocument/2006/math" xmlns="" val="1"/>
             </a:ext>
           </a:extLst>
         </p:spPr>
@@ -5338,42 +5338,6 @@
           </a:prstGeom>
         </p:spPr>
       </p:pic>
-      <p:pic>
-        <p:nvPicPr>
-          <p:cNvPr id="5" name="圖片 4" descr="一張含有 螢幕擷取畫面, 文字, 軟體, 多媒體軟體 的圖片&#10;&#10;AI 產生的內容可能不正確。">
-            <a:extLst>
-              <a:ext uri="{FF2B5EF4-FFF2-40B4-BE49-F238E27FC236}">
-                <a16:creationId xmlns:a16="http://schemas.microsoft.com/office/drawing/2014/main" id="{AB698198-6B17-A182-54F6-672E24699659}"/>
-              </a:ext>
-            </a:extLst>
-          </p:cNvPr>
-          <p:cNvPicPr>
-            <a:picLocks noChangeAspect="1"/>
-          </p:cNvPicPr>
-          <p:nvPr/>
-        </p:nvPicPr>
-        <p:blipFill>
-          <a:blip r:embed="rId3" cstate="print">
-            <a:extLst>
-              <a:ext uri="{28A0092B-C50C-407E-A947-70E740481C1C}">
-                <a14:useLocalDpi xmlns:a14="http://schemas.microsoft.com/office/drawing/2010/main" val="0"/>
-              </a:ext>
-            </a:extLst>
-          </a:blip>
-          <a:stretch>
-            <a:fillRect/>
-          </a:stretch>
-        </p:blipFill>
-        <p:spPr>
-          <a:xfrm>
-            <a:off x="6360406" y="2904740"/>
-            <a:ext cx="5074930" cy="3944120"/>
-          </a:xfrm>
-          <a:prstGeom prst="rect">
-            <a:avLst/>
-          </a:prstGeom>
-        </p:spPr>
-      </p:pic>
     </p:spTree>
     <p:extLst>
       <p:ext uri="{BB962C8B-B14F-4D97-AF65-F5344CB8AC3E}">
